--- a/presentation.pptx
+++ b/presentation.pptx
@@ -3471,9 +3471,9 @@
         <p:grpSpPr>
           <a:xfrm rot="0">
             <a:off x="3140232" y="2118713"/>
-            <a:ext cx="11735033" cy="1771023"/>
+            <a:ext cx="11735033" cy="1399615"/>
             <a:chOff x="0" y="0"/>
-            <a:chExt cx="15646711" cy="2361365"/>
+            <a:chExt cx="15646711" cy="1866153"/>
           </a:xfrm>
         </p:grpSpPr>
         <p:sp>
@@ -3523,7 +3523,7 @@
           <p:spPr>
             <a:xfrm rot="0">
               <a:off x="0" y="899224"/>
-              <a:ext cx="15632187" cy="1462141"/>
+              <a:ext cx="15632187" cy="966929"/>
             </a:xfrm>
             <a:prstGeom prst="rect">
               <a:avLst/>
@@ -3547,15 +3547,8 @@
                   </a:solidFill>
                   <a:latin typeface="Aileron"/>
                 </a:rPr>
-                <a:t>The goal of this analysis and model determine with water pumps are faulty and hence enable access to clean water accross Tanzania reliably. </a:t>
+                <a:t>The goal of this analysis and model determine which water pumps are faulty and hence enable access to clean water across Tanzania reliably.</a:t>
               </a:r>
-            </a:p>
-            <a:p>
-              <a:pPr algn="just">
-                <a:lnSpc>
-                  <a:spcPts val="2939"/>
-                </a:lnSpc>
-              </a:pPr>
             </a:p>
           </p:txBody>
         </p:sp>
@@ -3645,7 +3638,7 @@
                   </a:solidFill>
                   <a:latin typeface="Aileron"/>
                 </a:rPr>
-                <a:t>The purpose of this analysis is to use classification modeling tecniques to accurately predict which water pumps are faulty and allow for stakeholders to repair/replace such and ensure consistent supply of clean water accross Tanzania.</a:t>
+                <a:t>The purpose of this analysis is to use classification modeling techniques to accurately predict which water pumps are faulty and allow for stakeholders to repair/replace such and ensure a consistent supply of clean water across Tanzania.</a:t>
               </a:r>
             </a:p>
           </p:txBody>
@@ -3660,7 +3653,7 @@
 </file>
 
 <file path=ppt/slides/slide3.xml><?xml version="1.0" encoding="utf-8"?>
-<p:sld xmlns:p="http://schemas.openxmlformats.org/presentationml/2006/main" xmlns:a="http://schemas.openxmlformats.org/drawingml/2006/main">
+<p:sld xmlns:p="http://schemas.openxmlformats.org/presentationml/2006/main" xmlns:a="http://schemas.openxmlformats.org/drawingml/2006/main" xmlns:r="http://schemas.openxmlformats.org/officeDocument/2006/relationships">
   <p:cSld>
     <p:spTree>
       <p:nvGrpSpPr>
@@ -3684,7 +3677,7 @@
         </p:nvGrpSpPr>
         <p:grpSpPr>
           <a:xfrm rot="0">
-            <a:off x="2763773" y="1116752"/>
+            <a:off x="2763773" y="830623"/>
             <a:ext cx="11735033" cy="3628068"/>
             <a:chOff x="0" y="0"/>
             <a:chExt cx="15646711" cy="4837424"/>
@@ -3761,16 +3754,17 @@
                   </a:solidFill>
                   <a:latin typeface="Aileron"/>
                 </a:rPr>
-                <a:t>The dataset used in this modelling is derived from</a:t>
+                <a:t>The dataset used in this modelling is derived from </a:t>
               </a:r>
               <a:r>
-                <a:rPr lang="en-US" sz="2099" spc="62">
+                <a:rPr lang="en-US" sz="2099" spc="62" u="sng">
                   <a:solidFill>
                     <a:srgbClr val="191919"/>
                   </a:solidFill>
-                  <a:latin typeface="Aileron Bold"/>
+                  <a:latin typeface="Aileron"/>
+                  <a:hlinkClick r:id="rId2" tooltip="https://www.drivendata.org/competitions/7/pump-it-up-data-mining-the-water-table/page/25/"/>
                 </a:rPr>
-                <a:t> https://www.drivendata.org/competitions/7/pump-it-up-data-mining-the-water-table/page/25/. </a:t>
+                <a:t>The dataset used in this modelling is derived from https://www.drivendata.org/competitions/7/pump-it-up-data-mining-the-water-table/page/25/. </a:t>
               </a:r>
             </a:p>
             <a:p>
@@ -3792,8 +3786,18 @@
                     <a:srgbClr val="191919"/>
                   </a:solidFill>
                   <a:latin typeface="Aileron"/>
+                  <a:hlinkClick r:id="rId3" tooltip="https://www.drivendata.org/competitions/7/pump-it-up-data-mining-the-water-table/page/25/"/>
                 </a:rPr>
-                <a:t>The data contain information on water pumps recorded across the country of Tanzania. The Target variable is the status group of a pump given various characteristics of the pump including but not limited to Geographic location, Water quantity, GPS height location and Construction year among other features </a:t>
+                <a:t>The data contain information on water pumps recorded across the country of Tanzania. The Target variable is the status group of a pump given various characteristics of the pump including but not limited to Geographic location, Water quantity, GPS height location and Construction year among other features</a:t>
+              </a:r>
+              <a:r>
+                <a:rPr lang="en-US" sz="2099" spc="62">
+                  <a:solidFill>
+                    <a:srgbClr val="191919"/>
+                  </a:solidFill>
+                  <a:latin typeface="Aileron"/>
+                </a:rPr>
+                <a:t>. </a:t>
               </a:r>
             </a:p>
           </p:txBody>
